--- a/rapport/presentation.pptx
+++ b/rapport/presentation.pptx
@@ -816,7 +816,7 @@
   <p:cSld>
     <p:spTree>
       <p:nvGrpSpPr>
-        <p:cNvPr id="234" name="Shape 234"/>
+        <p:cNvPr id="236" name="Shape 236"/>
         <p:cNvGrpSpPr/>
         <p:nvPr/>
       </p:nvGrpSpPr>
@@ -830,7 +830,7 @@
       </p:grpSpPr>
       <p:sp>
         <p:nvSpPr>
-          <p:cNvPr id="235" name="Google Shape;235;gcf3e40e1a7_0_162:notes"/>
+          <p:cNvPr id="237" name="Google Shape;237;gcf3e40e1a7_0_162:notes"/>
           <p:cNvSpPr/>
           <p:nvPr>
             <p:ph idx="2" type="sldImg"/>
@@ -865,7 +865,7 @@
       </p:sp>
       <p:sp>
         <p:nvSpPr>
-          <p:cNvPr id="236" name="Google Shape;236;gcf3e40e1a7_0_162:notes"/>
+          <p:cNvPr id="238" name="Google Shape;238;gcf3e40e1a7_0_162:notes"/>
           <p:cNvSpPr txBox="1"/>
           <p:nvPr>
             <p:ph idx="1" type="body"/>
@@ -915,7 +915,7 @@
   <p:cSld>
     <p:spTree>
       <p:nvGrpSpPr>
-        <p:cNvPr id="248" name="Shape 248"/>
+        <p:cNvPr id="250" name="Shape 250"/>
         <p:cNvGrpSpPr/>
         <p:nvPr/>
       </p:nvGrpSpPr>
@@ -929,7 +929,7 @@
       </p:grpSpPr>
       <p:sp>
         <p:nvSpPr>
-          <p:cNvPr id="249" name="Google Shape;249;gcf3e40e1a7_0_169:notes"/>
+          <p:cNvPr id="251" name="Google Shape;251;gcf3e40e1a7_0_169:notes"/>
           <p:cNvSpPr/>
           <p:nvPr>
             <p:ph idx="2" type="sldImg"/>
@@ -964,7 +964,7 @@
       </p:sp>
       <p:sp>
         <p:nvSpPr>
-          <p:cNvPr id="250" name="Google Shape;250;gcf3e40e1a7_0_169:notes"/>
+          <p:cNvPr id="252" name="Google Shape;252;gcf3e40e1a7_0_169:notes"/>
           <p:cNvSpPr txBox="1"/>
           <p:nvPr>
             <p:ph idx="1" type="body"/>
@@ -1762,7 +1762,7 @@
   <p:cSld>
     <p:spTree>
       <p:nvGrpSpPr>
-        <p:cNvPr id="216" name="Shape 216"/>
+        <p:cNvPr id="218" name="Shape 218"/>
         <p:cNvGrpSpPr/>
         <p:nvPr/>
       </p:nvGrpSpPr>
@@ -1776,7 +1776,7 @@
       </p:grpSpPr>
       <p:sp>
         <p:nvSpPr>
-          <p:cNvPr id="217" name="Google Shape;217;gcf3e40e1a7_0_134:notes"/>
+          <p:cNvPr id="219" name="Google Shape;219;gcf3e40e1a7_0_134:notes"/>
           <p:cNvSpPr/>
           <p:nvPr>
             <p:ph idx="2" type="sldImg"/>
@@ -1811,7 +1811,7 @@
       </p:sp>
       <p:sp>
         <p:nvSpPr>
-          <p:cNvPr id="218" name="Google Shape;218;gcf3e40e1a7_0_134:notes"/>
+          <p:cNvPr id="220" name="Google Shape;220;gcf3e40e1a7_0_134:notes"/>
           <p:cNvSpPr txBox="1"/>
           <p:nvPr>
             <p:ph idx="1" type="body"/>
@@ -1862,7 +1862,7 @@
   <p:cSld>
     <p:spTree>
       <p:nvGrpSpPr>
-        <p:cNvPr id="222" name="Shape 222"/>
+        <p:cNvPr id="224" name="Shape 224"/>
         <p:cNvGrpSpPr/>
         <p:nvPr/>
       </p:nvGrpSpPr>
@@ -1876,7 +1876,7 @@
       </p:grpSpPr>
       <p:sp>
         <p:nvSpPr>
-          <p:cNvPr id="223" name="Google Shape;223;gcf3e40e1a7_0_139:notes"/>
+          <p:cNvPr id="225" name="Google Shape;225;gcf3e40e1a7_0_139:notes"/>
           <p:cNvSpPr/>
           <p:nvPr>
             <p:ph idx="2" type="sldImg"/>
@@ -1911,7 +1911,7 @@
       </p:sp>
       <p:sp>
         <p:nvSpPr>
-          <p:cNvPr id="224" name="Google Shape;224;gcf3e40e1a7_0_139:notes"/>
+          <p:cNvPr id="226" name="Google Shape;226;gcf3e40e1a7_0_139:notes"/>
           <p:cNvSpPr txBox="1"/>
           <p:nvPr>
             <p:ph idx="1" type="body"/>
@@ -1961,7 +1961,7 @@
   <p:cSld>
     <p:spTree>
       <p:nvGrpSpPr>
-        <p:cNvPr id="227" name="Shape 227"/>
+        <p:cNvPr id="229" name="Shape 229"/>
         <p:cNvGrpSpPr/>
         <p:nvPr/>
       </p:nvGrpSpPr>
@@ -1975,7 +1975,7 @@
       </p:grpSpPr>
       <p:sp>
         <p:nvSpPr>
-          <p:cNvPr id="228" name="Google Shape;228;gcf3e40e1a7_0_145:notes"/>
+          <p:cNvPr id="230" name="Google Shape;230;gcf3e40e1a7_0_145:notes"/>
           <p:cNvSpPr/>
           <p:nvPr>
             <p:ph idx="2" type="sldImg"/>
@@ -2010,7 +2010,7 @@
       </p:sp>
       <p:sp>
         <p:nvSpPr>
-          <p:cNvPr id="229" name="Google Shape;229;gcf3e40e1a7_0_145:notes"/>
+          <p:cNvPr id="231" name="Google Shape;231;gcf3e40e1a7_0_145:notes"/>
           <p:cNvSpPr txBox="1"/>
           <p:nvPr>
             <p:ph idx="1" type="body"/>
@@ -9306,7 +9306,7 @@
   <p:cSld>
     <p:spTree>
       <p:nvGrpSpPr>
-        <p:cNvPr id="237" name="Shape 237"/>
+        <p:cNvPr id="239" name="Shape 239"/>
         <p:cNvGrpSpPr/>
         <p:nvPr/>
       </p:nvGrpSpPr>
@@ -9320,7 +9320,7 @@
       </p:grpSpPr>
       <p:sp>
         <p:nvSpPr>
-          <p:cNvPr id="238" name="Google Shape;238;p23"/>
+          <p:cNvPr id="240" name="Google Shape;240;p23"/>
           <p:cNvSpPr txBox="1"/>
           <p:nvPr>
             <p:ph type="title"/>
@@ -9360,7 +9360,7 @@
       </p:sp>
       <p:pic>
         <p:nvPicPr>
-          <p:cNvPr id="239" name="Google Shape;239;p23"/>
+          <p:cNvPr id="241" name="Google Shape;241;p23"/>
           <p:cNvPicPr preferRelativeResize="0"/>
           <p:nvPr/>
         </p:nvPicPr>
@@ -9388,7 +9388,7 @@
       </p:pic>
       <p:sp>
         <p:nvSpPr>
-          <p:cNvPr id="240" name="Google Shape;240;p23"/>
+          <p:cNvPr id="242" name="Google Shape;242;p23"/>
           <p:cNvSpPr txBox="1"/>
           <p:nvPr/>
         </p:nvSpPr>
@@ -9440,7 +9440,7 @@
       </p:sp>
       <p:sp>
         <p:nvSpPr>
-          <p:cNvPr id="241" name="Google Shape;241;p23"/>
+          <p:cNvPr id="243" name="Google Shape;243;p23"/>
           <p:cNvSpPr txBox="1"/>
           <p:nvPr/>
         </p:nvSpPr>
@@ -9536,7 +9536,7 @@
       </p:sp>
       <p:sp>
         <p:nvSpPr>
-          <p:cNvPr id="242" name="Google Shape;242;p23"/>
+          <p:cNvPr id="244" name="Google Shape;244;p23"/>
           <p:cNvSpPr txBox="1"/>
           <p:nvPr/>
         </p:nvSpPr>
@@ -9588,7 +9588,7 @@
       </p:sp>
       <p:sp>
         <p:nvSpPr>
-          <p:cNvPr id="243" name="Google Shape;243;p23"/>
+          <p:cNvPr id="245" name="Google Shape;245;p23"/>
           <p:cNvSpPr txBox="1"/>
           <p:nvPr/>
         </p:nvSpPr>
@@ -9692,7 +9692,7 @@
       </p:sp>
       <p:sp>
         <p:nvSpPr>
-          <p:cNvPr id="244" name="Google Shape;244;p23"/>
+          <p:cNvPr id="246" name="Google Shape;246;p23"/>
           <p:cNvSpPr txBox="1"/>
           <p:nvPr/>
         </p:nvSpPr>
@@ -9744,7 +9744,7 @@
       </p:sp>
       <p:sp>
         <p:nvSpPr>
-          <p:cNvPr id="245" name="Google Shape;245;p23"/>
+          <p:cNvPr id="247" name="Google Shape;247;p23"/>
           <p:cNvSpPr txBox="1"/>
           <p:nvPr/>
         </p:nvSpPr>
@@ -9796,7 +9796,7 @@
       </p:sp>
       <p:pic>
         <p:nvPicPr>
-          <p:cNvPr id="246" name="Google Shape;246;p23"/>
+          <p:cNvPr id="248" name="Google Shape;248;p23"/>
           <p:cNvPicPr preferRelativeResize="0"/>
           <p:nvPr/>
         </p:nvPicPr>
@@ -9824,7 +9824,7 @@
       </p:pic>
       <p:pic>
         <p:nvPicPr>
-          <p:cNvPr id="247" name="Google Shape;247;p23"/>
+          <p:cNvPr id="249" name="Google Shape;249;p23"/>
           <p:cNvPicPr preferRelativeResize="0"/>
           <p:nvPr/>
         </p:nvPicPr>
@@ -9863,7 +9863,7 @@
   <p:cSld>
     <p:spTree>
       <p:nvGrpSpPr>
-        <p:cNvPr id="251" name="Shape 251"/>
+        <p:cNvPr id="253" name="Shape 253"/>
         <p:cNvGrpSpPr/>
         <p:nvPr/>
       </p:nvGrpSpPr>
@@ -9877,7 +9877,7 @@
       </p:grpSpPr>
       <p:pic>
         <p:nvPicPr>
-          <p:cNvPr descr="Vous avez des questions ? | SOliHA Ariège" id="252" name="Google Shape;252;p24"/>
+          <p:cNvPr descr="Vous avez des questions ? | SOliHA Ariège" id="254" name="Google Shape;254;p24"/>
           <p:cNvPicPr preferRelativeResize="0"/>
           <p:nvPr/>
         </p:nvPicPr>
@@ -14690,6 +14690,86 @@
           </a:p>
         </p:txBody>
       </p:sp>
+      <p:pic>
+        <p:nvPicPr>
+          <p:cNvPr descr="Icône Serveur - Téléchargement gratuit en PNG et vecteurs" id="216" name="Google Shape;216;p19"/>
+          <p:cNvPicPr preferRelativeResize="0"/>
+          <p:nvPr/>
+        </p:nvPicPr>
+        <p:blipFill>
+          <a:blip r:embed="rId5">
+            <a:alphaModFix/>
+          </a:blip>
+          <a:stretch>
+            <a:fillRect/>
+          </a:stretch>
+        </p:blipFill>
+        <p:spPr>
+          <a:xfrm>
+            <a:off x="903075" y="4035750"/>
+            <a:ext cx="912750" cy="912750"/>
+          </a:xfrm>
+          <a:prstGeom prst="rect">
+            <a:avLst/>
+          </a:prstGeom>
+          <a:noFill/>
+          <a:ln>
+            <a:noFill/>
+          </a:ln>
+        </p:spPr>
+      </p:pic>
+      <p:sp>
+        <p:nvSpPr>
+          <p:cNvPr id="217" name="Google Shape;217;p19"/>
+          <p:cNvSpPr txBox="1"/>
+          <p:nvPr/>
+        </p:nvSpPr>
+        <p:spPr>
+          <a:xfrm>
+            <a:off x="1764700" y="4215075"/>
+            <a:ext cx="2497800" cy="554100"/>
+          </a:xfrm>
+          <a:prstGeom prst="rect">
+            <a:avLst/>
+          </a:prstGeom>
+          <a:noFill/>
+          <a:ln>
+            <a:noFill/>
+          </a:ln>
+        </p:spPr>
+        <p:txBody>
+          <a:bodyPr anchorCtr="0" anchor="t" bIns="91425" lIns="91425" spcFirstLastPara="1" rIns="91425" wrap="square" tIns="91425">
+            <a:spAutoFit/>
+          </a:bodyPr>
+          <a:lstStyle/>
+          <a:p>
+            <a:pPr indent="0" lvl="0" marL="0" rtl="0" algn="l">
+              <a:spcBef>
+                <a:spcPts val="0"/>
+              </a:spcBef>
+              <a:spcAft>
+                <a:spcPts val="0"/>
+              </a:spcAft>
+              <a:buNone/>
+            </a:pPr>
+            <a:r>
+              <a:rPr b="1" lang="fr" sz="2400">
+                <a:latin typeface="Lato"/>
+                <a:ea typeface="Lato"/>
+                <a:cs typeface="Lato"/>
+                <a:sym typeface="Lato"/>
+              </a:rPr>
+              <a:t>Gestion du score </a:t>
+            </a:r>
+            <a:endParaRPr b="1" sz="2400">
+              <a:latin typeface="Lato"/>
+              <a:ea typeface="Lato"/>
+              <a:cs typeface="Lato"/>
+              <a:sym typeface="Lato"/>
+            </a:endParaRPr>
+          </a:p>
+        </p:txBody>
+      </p:sp>
     </p:spTree>
   </p:cSld>
   <p:clrMapOvr>
@@ -14703,7 +14783,7 @@
   <p:cSld>
     <p:spTree>
       <p:nvGrpSpPr>
-        <p:cNvPr id="219" name="Shape 219"/>
+        <p:cNvPr id="221" name="Shape 221"/>
         <p:cNvGrpSpPr/>
         <p:nvPr/>
       </p:nvGrpSpPr>
@@ -14717,7 +14797,7 @@
       </p:grpSpPr>
       <p:sp>
         <p:nvSpPr>
-          <p:cNvPr id="220" name="Google Shape;220;p20"/>
+          <p:cNvPr id="222" name="Google Shape;222;p20"/>
           <p:cNvSpPr txBox="1"/>
           <p:nvPr>
             <p:ph type="title"/>
@@ -14757,7 +14837,7 @@
       </p:sp>
       <p:pic>
         <p:nvPicPr>
-          <p:cNvPr id="221" name="Google Shape;221;p20"/>
+          <p:cNvPr id="223" name="Google Shape;223;p20"/>
           <p:cNvPicPr preferRelativeResize="0"/>
           <p:nvPr/>
         </p:nvPicPr>
@@ -14796,7 +14876,7 @@
   <p:cSld>
     <p:spTree>
       <p:nvGrpSpPr>
-        <p:cNvPr id="225" name="Shape 225"/>
+        <p:cNvPr id="227" name="Shape 227"/>
         <p:cNvGrpSpPr/>
         <p:nvPr/>
       </p:nvGrpSpPr>
@@ -14810,7 +14890,7 @@
       </p:grpSpPr>
       <p:sp>
         <p:nvSpPr>
-          <p:cNvPr id="226" name="Google Shape;226;p21"/>
+          <p:cNvPr id="228" name="Google Shape;228;p21"/>
           <p:cNvSpPr txBox="1"/>
           <p:nvPr>
             <p:ph type="title"/>
@@ -14861,7 +14941,7 @@
   <p:cSld>
     <p:spTree>
       <p:nvGrpSpPr>
-        <p:cNvPr id="230" name="Shape 230"/>
+        <p:cNvPr id="232" name="Shape 232"/>
         <p:cNvGrpSpPr/>
         <p:nvPr/>
       </p:nvGrpSpPr>
@@ -14875,7 +14955,7 @@
       </p:grpSpPr>
       <p:sp>
         <p:nvSpPr>
-          <p:cNvPr id="231" name="Google Shape;231;p22"/>
+          <p:cNvPr id="233" name="Google Shape;233;p22"/>
           <p:cNvSpPr txBox="1"/>
           <p:nvPr>
             <p:ph type="title"/>
@@ -14919,7 +14999,7 @@
       </p:sp>
       <p:pic>
         <p:nvPicPr>
-          <p:cNvPr descr="Revendre sa carte cadeau de manière sûre et rapide! | LA SIOOX ATTITUDE" id="232" name="Google Shape;232;p22"/>
+          <p:cNvPr descr="Revendre sa carte cadeau de manière sûre et rapide! | LA SIOOX ATTITUDE" id="234" name="Google Shape;234;p22"/>
           <p:cNvPicPr preferRelativeResize="0"/>
           <p:nvPr/>
         </p:nvPicPr>
@@ -14947,7 +15027,7 @@
       </p:pic>
       <p:pic>
         <p:nvPicPr>
-          <p:cNvPr descr="négatif – Bien-Être Animal - Sans Maître asbl" id="233" name="Google Shape;233;p22"/>
+          <p:cNvPr descr="négatif – Bien-Être Animal - Sans Maître asbl" id="235" name="Google Shape;235;p22"/>
           <p:cNvPicPr preferRelativeResize="0"/>
           <p:nvPr/>
         </p:nvPicPr>
@@ -14982,6 +15062,285 @@
 </file>
 
 <file path=ppt/theme/theme1.xml><?xml version="1.0" encoding="utf-8"?>
+<a:theme xmlns:a="http://schemas.openxmlformats.org/drawingml/2006/main" xmlns:r="http://schemas.openxmlformats.org/officeDocument/2006/relationships">
+  <a:themeElements>
+    <a:clrScheme name="Default">
+      <a:dk1>
+        <a:srgbClr val="000000"/>
+      </a:dk1>
+      <a:lt1>
+        <a:srgbClr val="FFFFFF"/>
+      </a:lt1>
+      <a:dk2>
+        <a:srgbClr val="158158"/>
+      </a:dk2>
+      <a:lt2>
+        <a:srgbClr val="F3F3F3"/>
+      </a:lt2>
+      <a:accent1>
+        <a:srgbClr val="058DC7"/>
+      </a:accent1>
+      <a:accent2>
+        <a:srgbClr val="50B432"/>
+      </a:accent2>
+      <a:accent3>
+        <a:srgbClr val="ED561B"/>
+      </a:accent3>
+      <a:accent4>
+        <a:srgbClr val="EDEF00"/>
+      </a:accent4>
+      <a:accent5>
+        <a:srgbClr val="24CBE5"/>
+      </a:accent5>
+      <a:accent6>
+        <a:srgbClr val="64E572"/>
+      </a:accent6>
+      <a:hlink>
+        <a:srgbClr val="2200CC"/>
+      </a:hlink>
+      <a:folHlink>
+        <a:srgbClr val="551A8B"/>
+      </a:folHlink>
+    </a:clrScheme>
+    <a:fontScheme name="Office">
+      <a:majorFont>
+        <a:latin typeface="Arial"/>
+        <a:ea typeface=""/>
+        <a:cs typeface=""/>
+        <a:font script="Jpan" typeface="ＭＳ Ｐゴシック"/>
+        <a:font script="Hang" typeface="맑은 고딕"/>
+        <a:font script="Hans" typeface="宋体"/>
+        <a:font script="Hant" typeface="新細明體"/>
+        <a:font script="Arab" typeface="Times New Roman"/>
+        <a:font script="Hebr" typeface="Times New Roman"/>
+        <a:font script="Thai" typeface="Angsana New"/>
+        <a:font script="Ethi" typeface="Nyala"/>
+        <a:font script="Beng" typeface="Vrinda"/>
+        <a:font script="Gujr" typeface="Shruti"/>
+        <a:font script="Khmr" typeface="MoolBoran"/>
+        <a:font script="Knda" typeface="Tunga"/>
+        <a:font script="Guru" typeface="Raavi"/>
+        <a:font script="Cans" typeface="Euphemia"/>
+        <a:font script="Cher" typeface="Plantagenet Cherokee"/>
+        <a:font script="Yiii" typeface="Microsoft Yi Baiti"/>
+        <a:font script="Tibt" typeface="Microsoft Himalaya"/>
+        <a:font script="Thaa" typeface="MV Boli"/>
+        <a:font script="Deva" typeface="Mangal"/>
+        <a:font script="Telu" typeface="Gautami"/>
+        <a:font script="Taml" typeface="Latha"/>
+        <a:font script="Syrc" typeface="Estrangelo Edessa"/>
+        <a:font script="Orya" typeface="Kalinga"/>
+        <a:font script="Mlym" typeface="Kartika"/>
+        <a:font script="Laoo" typeface="DokChampa"/>
+        <a:font script="Sinh" typeface="Iskoola Pota"/>
+        <a:font script="Mong" typeface="Mongolian Baiti"/>
+        <a:font script="Viet" typeface="Times New Roman"/>
+        <a:font script="Uigh" typeface="Microsoft Uighur"/>
+        <a:font script="Geor" typeface="Sylfaen"/>
+      </a:majorFont>
+      <a:minorFont>
+        <a:latin typeface="Arial"/>
+        <a:ea typeface=""/>
+        <a:cs typeface=""/>
+        <a:font script="Jpan" typeface="ＭＳ Ｐゴシック"/>
+        <a:font script="Hang" typeface="맑은 고딕"/>
+        <a:font script="Hans" typeface="宋体"/>
+        <a:font script="Hant" typeface="新細明體"/>
+        <a:font script="Arab" typeface="Arial"/>
+        <a:font script="Hebr" typeface="Arial"/>
+        <a:font script="Thai" typeface="Cordia New"/>
+        <a:font script="Ethi" typeface="Nyala"/>
+        <a:font script="Beng" typeface="Vrinda"/>
+        <a:font script="Gujr" typeface="Shruti"/>
+        <a:font script="Khmr" typeface="DaunPenh"/>
+        <a:font script="Knda" typeface="Tunga"/>
+        <a:font script="Guru" typeface="Raavi"/>
+        <a:font script="Cans" typeface="Euphemia"/>
+        <a:font script="Cher" typeface="Plantagenet Cherokee"/>
+        <a:font script="Yiii" typeface="Microsoft Yi Baiti"/>
+        <a:font script="Tibt" typeface="Microsoft Himalaya"/>
+        <a:font script="Thaa" typeface="MV Boli"/>
+        <a:font script="Deva" typeface="Mangal"/>
+        <a:font script="Telu" typeface="Gautami"/>
+        <a:font script="Taml" typeface="Latha"/>
+        <a:font script="Syrc" typeface="Estrangelo Edessa"/>
+        <a:font script="Orya" typeface="Kalinga"/>
+        <a:font script="Mlym" typeface="Kartika"/>
+        <a:font script="Laoo" typeface="DokChampa"/>
+        <a:font script="Sinh" typeface="Iskoola Pota"/>
+        <a:font script="Mong" typeface="Mongolian Baiti"/>
+        <a:font script="Viet" typeface="Arial"/>
+        <a:font script="Uigh" typeface="Microsoft Uighur"/>
+        <a:font script="Geor" typeface="Sylfaen"/>
+      </a:minorFont>
+    </a:fontScheme>
+    <a:fmtScheme name="Office">
+      <a:fillStyleLst>
+        <a:solidFill>
+          <a:schemeClr val="phClr"/>
+        </a:solidFill>
+        <a:gradFill rotWithShape="1">
+          <a:gsLst>
+            <a:gs pos="0">
+              <a:schemeClr val="phClr">
+                <a:tint val="50000"/>
+                <a:satMod val="300000"/>
+              </a:schemeClr>
+            </a:gs>
+            <a:gs pos="35000">
+              <a:schemeClr val="phClr">
+                <a:tint val="37000"/>
+                <a:satMod val="300000"/>
+              </a:schemeClr>
+            </a:gs>
+            <a:gs pos="100000">
+              <a:schemeClr val="phClr">
+                <a:tint val="15000"/>
+                <a:satMod val="350000"/>
+              </a:schemeClr>
+            </a:gs>
+          </a:gsLst>
+          <a:lin ang="16200000" scaled="1"/>
+        </a:gradFill>
+        <a:gradFill rotWithShape="1">
+          <a:gsLst>
+            <a:gs pos="0">
+              <a:schemeClr val="phClr">
+                <a:tint val="100000"/>
+                <a:shade val="100000"/>
+                <a:satMod val="130000"/>
+              </a:schemeClr>
+            </a:gs>
+            <a:gs pos="100000">
+              <a:schemeClr val="phClr">
+                <a:tint val="50000"/>
+                <a:shade val="100000"/>
+                <a:satMod val="350000"/>
+              </a:schemeClr>
+            </a:gs>
+          </a:gsLst>
+          <a:lin ang="16200000" scaled="0"/>
+        </a:gradFill>
+      </a:fillStyleLst>
+      <a:lnStyleLst>
+        <a:ln w="9525" cap="flat" cmpd="sng" algn="ctr">
+          <a:solidFill>
+            <a:schemeClr val="phClr">
+              <a:shade val="95000"/>
+              <a:satMod val="105000"/>
+            </a:schemeClr>
+          </a:solidFill>
+          <a:prstDash val="solid"/>
+        </a:ln>
+        <a:ln w="25400" cap="flat" cmpd="sng" algn="ctr">
+          <a:solidFill>
+            <a:schemeClr val="phClr"/>
+          </a:solidFill>
+          <a:prstDash val="solid"/>
+        </a:ln>
+        <a:ln w="38100" cap="flat" cmpd="sng" algn="ctr">
+          <a:solidFill>
+            <a:schemeClr val="phClr"/>
+          </a:solidFill>
+          <a:prstDash val="solid"/>
+        </a:ln>
+      </a:lnStyleLst>
+      <a:effectStyleLst>
+        <a:effectStyle>
+          <a:effectLst>
+            <a:outerShdw blurRad="40000" dist="20000" dir="5400000" rotWithShape="0">
+              <a:srgbClr val="000000">
+                <a:alpha val="38000"/>
+              </a:srgbClr>
+            </a:outerShdw>
+          </a:effectLst>
+        </a:effectStyle>
+        <a:effectStyle>
+          <a:effectLst>
+            <a:outerShdw blurRad="40000" dist="23000" dir="5400000" rotWithShape="0">
+              <a:srgbClr val="000000">
+                <a:alpha val="35000"/>
+              </a:srgbClr>
+            </a:outerShdw>
+          </a:effectLst>
+        </a:effectStyle>
+        <a:effectStyle>
+          <a:effectLst>
+            <a:outerShdw blurRad="40000" dist="23000" dir="5400000" rotWithShape="0">
+              <a:srgbClr val="000000">
+                <a:alpha val="35000"/>
+              </a:srgbClr>
+            </a:outerShdw>
+          </a:effectLst>
+          <a:scene3d>
+            <a:camera prst="orthographicFront">
+              <a:rot lat="0" lon="0" rev="0"/>
+            </a:camera>
+            <a:lightRig rig="threePt" dir="t">
+              <a:rot lat="0" lon="0" rev="1200000"/>
+            </a:lightRig>
+          </a:scene3d>
+          <a:sp3d>
+            <a:bevelT w="63500" h="25400"/>
+          </a:sp3d>
+        </a:effectStyle>
+      </a:effectStyleLst>
+      <a:bgFillStyleLst>
+        <a:solidFill>
+          <a:schemeClr val="phClr"/>
+        </a:solidFill>
+        <a:gradFill rotWithShape="1">
+          <a:gsLst>
+            <a:gs pos="0">
+              <a:schemeClr val="phClr">
+                <a:tint val="40000"/>
+                <a:satMod val="350000"/>
+              </a:schemeClr>
+            </a:gs>
+            <a:gs pos="40000">
+              <a:schemeClr val="phClr">
+                <a:tint val="45000"/>
+                <a:shade val="99000"/>
+                <a:satMod val="350000"/>
+              </a:schemeClr>
+            </a:gs>
+            <a:gs pos="100000">
+              <a:schemeClr val="phClr">
+                <a:shade val="20000"/>
+                <a:satMod val="255000"/>
+              </a:schemeClr>
+            </a:gs>
+          </a:gsLst>
+          <a:path path="circle">
+            <a:fillToRect l="50000" t="-80000" r="50000" b="180000"/>
+          </a:path>
+        </a:gradFill>
+        <a:gradFill rotWithShape="1">
+          <a:gsLst>
+            <a:gs pos="0">
+              <a:schemeClr val="phClr">
+                <a:tint val="80000"/>
+                <a:satMod val="300000"/>
+              </a:schemeClr>
+            </a:gs>
+            <a:gs pos="100000">
+              <a:schemeClr val="phClr">
+                <a:shade val="30000"/>
+                <a:satMod val="200000"/>
+              </a:schemeClr>
+            </a:gs>
+          </a:gsLst>
+          <a:path path="circle">
+            <a:fillToRect l="50000" t="50000" r="50000" b="50000"/>
+          </a:path>
+        </a:gradFill>
+      </a:bgFillStyleLst>
+    </a:fmtScheme>
+  </a:themeElements>
+</a:theme>
+</file>
+
+<file path=ppt/theme/theme2.xml><?xml version="1.0" encoding="utf-8"?>
 <a:theme xmlns:a="http://schemas.openxmlformats.org/drawingml/2006/main" xmlns:r="http://schemas.openxmlformats.org/officeDocument/2006/relationships" name="Streamline">
   <a:themeElements>
     <a:clrScheme name="Streamline">
@@ -15258,283 +15617,4 @@
     </a:fmtScheme>
   </a:themeElements>
 </a:theme>
-</file>
-
-<file path=ppt/theme/theme2.xml><?xml version="1.0" encoding="utf-8"?>
-<a:theme xmlns:a="http://schemas.openxmlformats.org/drawingml/2006/main" xmlns:r="http://schemas.openxmlformats.org/officeDocument/2006/relationships">
-  <a:themeElements>
-    <a:clrScheme name="Default">
-      <a:dk1>
-        <a:srgbClr val="000000"/>
-      </a:dk1>
-      <a:lt1>
-        <a:srgbClr val="FFFFFF"/>
-      </a:lt1>
-      <a:dk2>
-        <a:srgbClr val="158158"/>
-      </a:dk2>
-      <a:lt2>
-        <a:srgbClr val="F3F3F3"/>
-      </a:lt2>
-      <a:accent1>
-        <a:srgbClr val="058DC7"/>
-      </a:accent1>
-      <a:accent2>
-        <a:srgbClr val="50B432"/>
-      </a:accent2>
-      <a:accent3>
-        <a:srgbClr val="ED561B"/>
-      </a:accent3>
-      <a:accent4>
-        <a:srgbClr val="EDEF00"/>
-      </a:accent4>
-      <a:accent5>
-        <a:srgbClr val="24CBE5"/>
-      </a:accent5>
-      <a:accent6>
-        <a:srgbClr val="64E572"/>
-      </a:accent6>
-      <a:hlink>
-        <a:srgbClr val="2200CC"/>
-      </a:hlink>
-      <a:folHlink>
-        <a:srgbClr val="551A8B"/>
-      </a:folHlink>
-    </a:clrScheme>
-    <a:fontScheme name="Office">
-      <a:majorFont>
-        <a:latin typeface="Arial"/>
-        <a:ea typeface=""/>
-        <a:cs typeface=""/>
-        <a:font script="Jpan" typeface="ＭＳ Ｐゴシック"/>
-        <a:font script="Hang" typeface="맑은 고딕"/>
-        <a:font script="Hans" typeface="宋体"/>
-        <a:font script="Hant" typeface="新細明體"/>
-        <a:font script="Arab" typeface="Times New Roman"/>
-        <a:font script="Hebr" typeface="Times New Roman"/>
-        <a:font script="Thai" typeface="Angsana New"/>
-        <a:font script="Ethi" typeface="Nyala"/>
-        <a:font script="Beng" typeface="Vrinda"/>
-        <a:font script="Gujr" typeface="Shruti"/>
-        <a:font script="Khmr" typeface="MoolBoran"/>
-        <a:font script="Knda" typeface="Tunga"/>
-        <a:font script="Guru" typeface="Raavi"/>
-        <a:font script="Cans" typeface="Euphemia"/>
-        <a:font script="Cher" typeface="Plantagenet Cherokee"/>
-        <a:font script="Yiii" typeface="Microsoft Yi Baiti"/>
-        <a:font script="Tibt" typeface="Microsoft Himalaya"/>
-        <a:font script="Thaa" typeface="MV Boli"/>
-        <a:font script="Deva" typeface="Mangal"/>
-        <a:font script="Telu" typeface="Gautami"/>
-        <a:font script="Taml" typeface="Latha"/>
-        <a:font script="Syrc" typeface="Estrangelo Edessa"/>
-        <a:font script="Orya" typeface="Kalinga"/>
-        <a:font script="Mlym" typeface="Kartika"/>
-        <a:font script="Laoo" typeface="DokChampa"/>
-        <a:font script="Sinh" typeface="Iskoola Pota"/>
-        <a:font script="Mong" typeface="Mongolian Baiti"/>
-        <a:font script="Viet" typeface="Times New Roman"/>
-        <a:font script="Uigh" typeface="Microsoft Uighur"/>
-        <a:font script="Geor" typeface="Sylfaen"/>
-      </a:majorFont>
-      <a:minorFont>
-        <a:latin typeface="Arial"/>
-        <a:ea typeface=""/>
-        <a:cs typeface=""/>
-        <a:font script="Jpan" typeface="ＭＳ Ｐゴシック"/>
-        <a:font script="Hang" typeface="맑은 고딕"/>
-        <a:font script="Hans" typeface="宋体"/>
-        <a:font script="Hant" typeface="新細明體"/>
-        <a:font script="Arab" typeface="Arial"/>
-        <a:font script="Hebr" typeface="Arial"/>
-        <a:font script="Thai" typeface="Cordia New"/>
-        <a:font script="Ethi" typeface="Nyala"/>
-        <a:font script="Beng" typeface="Vrinda"/>
-        <a:font script="Gujr" typeface="Shruti"/>
-        <a:font script="Khmr" typeface="DaunPenh"/>
-        <a:font script="Knda" typeface="Tunga"/>
-        <a:font script="Guru" typeface="Raavi"/>
-        <a:font script="Cans" typeface="Euphemia"/>
-        <a:font script="Cher" typeface="Plantagenet Cherokee"/>
-        <a:font script="Yiii" typeface="Microsoft Yi Baiti"/>
-        <a:font script="Tibt" typeface="Microsoft Himalaya"/>
-        <a:font script="Thaa" typeface="MV Boli"/>
-        <a:font script="Deva" typeface="Mangal"/>
-        <a:font script="Telu" typeface="Gautami"/>
-        <a:font script="Taml" typeface="Latha"/>
-        <a:font script="Syrc" typeface="Estrangelo Edessa"/>
-        <a:font script="Orya" typeface="Kalinga"/>
-        <a:font script="Mlym" typeface="Kartika"/>
-        <a:font script="Laoo" typeface="DokChampa"/>
-        <a:font script="Sinh" typeface="Iskoola Pota"/>
-        <a:font script="Mong" typeface="Mongolian Baiti"/>
-        <a:font script="Viet" typeface="Arial"/>
-        <a:font script="Uigh" typeface="Microsoft Uighur"/>
-        <a:font script="Geor" typeface="Sylfaen"/>
-      </a:minorFont>
-    </a:fontScheme>
-    <a:fmtScheme name="Office">
-      <a:fillStyleLst>
-        <a:solidFill>
-          <a:schemeClr val="phClr"/>
-        </a:solidFill>
-        <a:gradFill rotWithShape="1">
-          <a:gsLst>
-            <a:gs pos="0">
-              <a:schemeClr val="phClr">
-                <a:tint val="50000"/>
-                <a:satMod val="300000"/>
-              </a:schemeClr>
-            </a:gs>
-            <a:gs pos="35000">
-              <a:schemeClr val="phClr">
-                <a:tint val="37000"/>
-                <a:satMod val="300000"/>
-              </a:schemeClr>
-            </a:gs>
-            <a:gs pos="100000">
-              <a:schemeClr val="phClr">
-                <a:tint val="15000"/>
-                <a:satMod val="350000"/>
-              </a:schemeClr>
-            </a:gs>
-          </a:gsLst>
-          <a:lin ang="16200000" scaled="1"/>
-        </a:gradFill>
-        <a:gradFill rotWithShape="1">
-          <a:gsLst>
-            <a:gs pos="0">
-              <a:schemeClr val="phClr">
-                <a:tint val="100000"/>
-                <a:shade val="100000"/>
-                <a:satMod val="130000"/>
-              </a:schemeClr>
-            </a:gs>
-            <a:gs pos="100000">
-              <a:schemeClr val="phClr">
-                <a:tint val="50000"/>
-                <a:shade val="100000"/>
-                <a:satMod val="350000"/>
-              </a:schemeClr>
-            </a:gs>
-          </a:gsLst>
-          <a:lin ang="16200000" scaled="0"/>
-        </a:gradFill>
-      </a:fillStyleLst>
-      <a:lnStyleLst>
-        <a:ln w="9525" cap="flat" cmpd="sng" algn="ctr">
-          <a:solidFill>
-            <a:schemeClr val="phClr">
-              <a:shade val="95000"/>
-              <a:satMod val="105000"/>
-            </a:schemeClr>
-          </a:solidFill>
-          <a:prstDash val="solid"/>
-        </a:ln>
-        <a:ln w="25400" cap="flat" cmpd="sng" algn="ctr">
-          <a:solidFill>
-            <a:schemeClr val="phClr"/>
-          </a:solidFill>
-          <a:prstDash val="solid"/>
-        </a:ln>
-        <a:ln w="38100" cap="flat" cmpd="sng" algn="ctr">
-          <a:solidFill>
-            <a:schemeClr val="phClr"/>
-          </a:solidFill>
-          <a:prstDash val="solid"/>
-        </a:ln>
-      </a:lnStyleLst>
-      <a:effectStyleLst>
-        <a:effectStyle>
-          <a:effectLst>
-            <a:outerShdw blurRad="40000" dist="20000" dir="5400000" rotWithShape="0">
-              <a:srgbClr val="000000">
-                <a:alpha val="38000"/>
-              </a:srgbClr>
-            </a:outerShdw>
-          </a:effectLst>
-        </a:effectStyle>
-        <a:effectStyle>
-          <a:effectLst>
-            <a:outerShdw blurRad="40000" dist="23000" dir="5400000" rotWithShape="0">
-              <a:srgbClr val="000000">
-                <a:alpha val="35000"/>
-              </a:srgbClr>
-            </a:outerShdw>
-          </a:effectLst>
-        </a:effectStyle>
-        <a:effectStyle>
-          <a:effectLst>
-            <a:outerShdw blurRad="40000" dist="23000" dir="5400000" rotWithShape="0">
-              <a:srgbClr val="000000">
-                <a:alpha val="35000"/>
-              </a:srgbClr>
-            </a:outerShdw>
-          </a:effectLst>
-          <a:scene3d>
-            <a:camera prst="orthographicFront">
-              <a:rot lat="0" lon="0" rev="0"/>
-            </a:camera>
-            <a:lightRig rig="threePt" dir="t">
-              <a:rot lat="0" lon="0" rev="1200000"/>
-            </a:lightRig>
-          </a:scene3d>
-          <a:sp3d>
-            <a:bevelT w="63500" h="25400"/>
-          </a:sp3d>
-        </a:effectStyle>
-      </a:effectStyleLst>
-      <a:bgFillStyleLst>
-        <a:solidFill>
-          <a:schemeClr val="phClr"/>
-        </a:solidFill>
-        <a:gradFill rotWithShape="1">
-          <a:gsLst>
-            <a:gs pos="0">
-              <a:schemeClr val="phClr">
-                <a:tint val="40000"/>
-                <a:satMod val="350000"/>
-              </a:schemeClr>
-            </a:gs>
-            <a:gs pos="40000">
-              <a:schemeClr val="phClr">
-                <a:tint val="45000"/>
-                <a:shade val="99000"/>
-                <a:satMod val="350000"/>
-              </a:schemeClr>
-            </a:gs>
-            <a:gs pos="100000">
-              <a:schemeClr val="phClr">
-                <a:shade val="20000"/>
-                <a:satMod val="255000"/>
-              </a:schemeClr>
-            </a:gs>
-          </a:gsLst>
-          <a:path path="circle">
-            <a:fillToRect l="50000" t="-80000" r="50000" b="180000"/>
-          </a:path>
-        </a:gradFill>
-        <a:gradFill rotWithShape="1">
-          <a:gsLst>
-            <a:gs pos="0">
-              <a:schemeClr val="phClr">
-                <a:tint val="80000"/>
-                <a:satMod val="300000"/>
-              </a:schemeClr>
-            </a:gs>
-            <a:gs pos="100000">
-              <a:schemeClr val="phClr">
-                <a:shade val="30000"/>
-                <a:satMod val="200000"/>
-              </a:schemeClr>
-            </a:gs>
-          </a:gsLst>
-          <a:path path="circle">
-            <a:fillToRect l="50000" t="50000" r="50000" b="50000"/>
-          </a:path>
-        </a:gradFill>
-      </a:bgFillStyleLst>
-    </a:fmtScheme>
-  </a:themeElements>
-</a:theme>
 </file>